--- a/energy-solar.pptx
+++ b/energy-solar.pptx
@@ -4030,6 +4030,21 @@
             <a:pPr lvl="1"/>
             <a:r>
               <a:rPr lang="en-US" dirty="0"/>
+              <a:t>Collaboration</a:t>
+            </a:r>
+          </a:p>
+          <a:p>
+            <a:pPr lvl="2"/>
+            <a:r>
+              <a:rPr lang="en-US" dirty="0" err="1"/>
+              <a:t>Github</a:t>
+            </a:r>
+            <a:endParaRPr lang="en-US" dirty="0"/>
+          </a:p>
+          <a:p>
+            <a:pPr lvl="1"/>
+            <a:r>
+              <a:rPr lang="en-US" dirty="0"/>
               <a:t>Flask app</a:t>
             </a:r>
           </a:p>
@@ -4059,20 +4074,12 @@
           <a:p>
             <a:pPr lvl="2"/>
             <a:r>
-              <a:rPr lang="en-US" dirty="0" err="1"/>
-              <a:t>Plotly</a:t>
-            </a:r>
-            <a:endParaRPr lang="en-US" dirty="0"/>
-          </a:p>
-          <a:p>
-            <a:pPr lvl="2"/>
-            <a:r>
-              <a:rPr lang="en-US" dirty="0" err="1"/>
-              <a:t>Jsonify</a:t>
+              <a:rPr lang="en-US"/>
+              <a:t>d3.json </a:t>
             </a:r>
             <a:r>
               <a:rPr lang="en-US" dirty="0"/>
-              <a:t> (Get)</a:t>
+              <a:t>(Get)</a:t>
             </a:r>
           </a:p>
           <a:p>
